--- a/读书交流-林愉轩.pptx
+++ b/读书交流-林愉轩.pptx
@@ -17139,19 +17139,87 @@
           </a:p>
         </p:txBody>
       </p:sp>
-      <p:sp>
-        <p:nvSpPr>
-          <p:cNvPr id="3" name="内容占位符 2"/>
-          <p:cNvSpPr>
-            <a:spLocks noGrp="1"/>
-          </p:cNvSpPr>
+      <p:pic>
+        <p:nvPicPr>
+          <p:cNvPr id="6" name="内容占位符 5" descr="IMG_1924.JPG"/>
+          <p:cNvPicPr>
+            <a:picLocks noGrp="1" noChangeAspect="1"/>
+          </p:cNvPicPr>
           <p:nvPr>
             <p:ph idx="1"/>
           </p:nvPr>
+        </p:nvPicPr>
+        <p:blipFill rotWithShape="1">
+          <a:blip r:embed="rId2" cstate="print">
+            <a:extLst>
+              <a:ext uri="{28A0092B-C50C-407E-A947-70E740481C1C}">
+                <a14:useLocalDpi xmlns:a14="http://schemas.microsoft.com/office/drawing/2010/main" val="0"/>
+              </a:ext>
+            </a:extLst>
+          </a:blip>
+          <a:srcRect l="1502" t="-17454" r="-1502" b="-3438"/>
+          <a:stretch/>
+        </p:blipFill>
+        <p:spPr>
+          <a:xfrm rot="5400000">
+            <a:off x="1474631" y="646479"/>
+            <a:ext cx="5941076" cy="5386782"/>
+          </a:xfrm>
+          <a:prstGeom prst="rect">
+            <a:avLst/>
+          </a:prstGeom>
+          <a:noFill/>
+          <a:ln>
+            <a:noFill/>
+          </a:ln>
+        </p:spPr>
+      </p:pic>
+      <p:sp>
+        <p:nvSpPr>
+          <p:cNvPr id="7" name="文本框 6"/>
+          <p:cNvSpPr txBox="1"/>
+          <p:nvPr/>
         </p:nvSpPr>
-        <p:spPr/>
+        <p:spPr>
+          <a:xfrm>
+            <a:off x="978085" y="0"/>
+            <a:ext cx="184666" cy="369332"/>
+          </a:xfrm>
+          <a:prstGeom prst="rect">
+            <a:avLst/>
+          </a:prstGeom>
+          <a:noFill/>
+        </p:spPr>
         <p:txBody>
-          <a:bodyPr/>
+          <a:bodyPr wrap="none" rtlCol="0">
+            <a:spAutoFit/>
+          </a:bodyPr>
+          <a:lstStyle/>
+          <a:p>
+            <a:endParaRPr kumimoji="1" lang="zh-CN" altLang="en-US" dirty="0"/>
+          </a:p>
+        </p:txBody>
+      </p:sp>
+      <p:sp>
+        <p:nvSpPr>
+          <p:cNvPr id="8" name="文本框 7"/>
+          <p:cNvSpPr txBox="1"/>
+          <p:nvPr/>
+        </p:nvSpPr>
+        <p:spPr>
+          <a:xfrm>
+            <a:off x="1182461" y="4481971"/>
+            <a:ext cx="184666" cy="369332"/>
+          </a:xfrm>
+          <a:prstGeom prst="rect">
+            <a:avLst/>
+          </a:prstGeom>
+          <a:noFill/>
+        </p:spPr>
+        <p:txBody>
+          <a:bodyPr wrap="none" rtlCol="0">
+            <a:spAutoFit/>
+          </a:bodyPr>
           <a:lstStyle/>
           <a:p>
             <a:endParaRPr kumimoji="1" lang="zh-CN" altLang="en-US" dirty="0"/>

--- a/读书交流-林愉轩.pptx
+++ b/读书交流-林愉轩.pptx
@@ -7,6 +7,7 @@
   <p:sldIdLst>
     <p:sldId id="256" r:id="rId2"/>
     <p:sldId id="257" r:id="rId3"/>
+    <p:sldId id="258" r:id="rId4"/>
   </p:sldIdLst>
   <p:sldSz cx="9144000" cy="6858000" type="screen4x3"/>
   <p:notesSz cx="6858000" cy="9144000"/>
@@ -17135,6 +17136,51 @@
           <a:bodyPr/>
           <a:lstStyle/>
           <a:p>
+            <a:r>
+              <a:rPr kumimoji="1" lang="zh-CN" altLang="en-US" dirty="0" smtClean="0"/>
+              <a:t>趣学</a:t>
+            </a:r>
+            <a:r>
+              <a:rPr kumimoji="1" lang="en-US" altLang="zh-CN" dirty="0" smtClean="0"/>
+              <a:t>python</a:t>
+            </a:r>
+            <a:r>
+              <a:rPr kumimoji="1" lang="en-US" altLang="zh-CN" dirty="0"/>
+              <a:t/>
+            </a:r>
+            <a:br>
+              <a:rPr kumimoji="1" lang="en-US" altLang="zh-CN" dirty="0"/>
+            </a:br>
+            <a:r>
+              <a:rPr kumimoji="1" lang="en-US" altLang="zh-CN" dirty="0"/>
+              <a:t> </a:t>
+            </a:r>
+            <a:r>
+              <a:rPr kumimoji="1" lang="zh-CN" altLang="zh-CN" dirty="0" smtClean="0"/>
+              <a:t>——</a:t>
+            </a:r>
+            <a:r>
+              <a:rPr kumimoji="1" lang="zh-CN" altLang="en-US" dirty="0" smtClean="0"/>
+              <a:t>教孩子</a:t>
+            </a:r>
+            <a:r>
+              <a:rPr kumimoji="1" lang="en-US" altLang="zh-CN" dirty="0" smtClean="0"/>
+              <a:t/>
+            </a:r>
+            <a:br>
+              <a:rPr kumimoji="1" lang="en-US" altLang="zh-CN" dirty="0" smtClean="0"/>
+            </a:br>
+            <a:r>
+              <a:rPr kumimoji="1" lang="zh-CN" altLang="en-US" dirty="0" smtClean="0"/>
+              <a:t>学编程</a:t>
+            </a:r>
+            <a:r>
+              <a:rPr kumimoji="1" lang="en-US" altLang="zh-CN" dirty="0" smtClean="0"/>
+              <a:t/>
+            </a:r>
+            <a:br>
+              <a:rPr kumimoji="1" lang="en-US" altLang="zh-CN" dirty="0" smtClean="0"/>
+            </a:br>
             <a:endParaRPr kumimoji="1" lang="zh-CN" altLang="en-US" dirty="0"/>
           </a:p>
         </p:txBody>
@@ -17162,7 +17208,7 @@
         </p:blipFill>
         <p:spPr>
           <a:xfrm rot="5400000">
-            <a:off x="1474631" y="646479"/>
+            <a:off x="4168022" y="1194071"/>
             <a:ext cx="5941076" cy="5386782"/>
           </a:xfrm>
           <a:prstGeom prst="rect">
@@ -17174,58 +17220,6 @@
           </a:ln>
         </p:spPr>
       </p:pic>
-      <p:sp>
-        <p:nvSpPr>
-          <p:cNvPr id="7" name="文本框 6"/>
-          <p:cNvSpPr txBox="1"/>
-          <p:nvPr/>
-        </p:nvSpPr>
-        <p:spPr>
-          <a:xfrm>
-            <a:off x="978085" y="0"/>
-            <a:ext cx="184666" cy="369332"/>
-          </a:xfrm>
-          <a:prstGeom prst="rect">
-            <a:avLst/>
-          </a:prstGeom>
-          <a:noFill/>
-        </p:spPr>
-        <p:txBody>
-          <a:bodyPr wrap="none" rtlCol="0">
-            <a:spAutoFit/>
-          </a:bodyPr>
-          <a:lstStyle/>
-          <a:p>
-            <a:endParaRPr kumimoji="1" lang="zh-CN" altLang="en-US" dirty="0"/>
-          </a:p>
-        </p:txBody>
-      </p:sp>
-      <p:sp>
-        <p:nvSpPr>
-          <p:cNvPr id="8" name="文本框 7"/>
-          <p:cNvSpPr txBox="1"/>
-          <p:nvPr/>
-        </p:nvSpPr>
-        <p:spPr>
-          <a:xfrm>
-            <a:off x="1182461" y="4481971"/>
-            <a:ext cx="184666" cy="369332"/>
-          </a:xfrm>
-          <a:prstGeom prst="rect">
-            <a:avLst/>
-          </a:prstGeom>
-          <a:noFill/>
-        </p:spPr>
-        <p:txBody>
-          <a:bodyPr wrap="none" rtlCol="0">
-            <a:spAutoFit/>
-          </a:bodyPr>
-          <a:lstStyle/>
-          <a:p>
-            <a:endParaRPr kumimoji="1" lang="zh-CN" altLang="en-US" dirty="0"/>
-          </a:p>
-        </p:txBody>
-      </p:sp>
     </p:spTree>
     <p:extLst>
       <p:ext uri="{BB962C8B-B14F-4D97-AF65-F5344CB8AC3E}">
@@ -17243,6 +17237,104 @@
       </p:par>
     </p:tnLst>
   </p:timing>
+</p:sld>
+</file>
+
+<file path=ppt/slides/slide3.xml><?xml version="1.0" encoding="utf-8"?>
+<p:sld xmlns:a="http://schemas.openxmlformats.org/drawingml/2006/main" xmlns:r="http://schemas.openxmlformats.org/officeDocument/2006/relationships" xmlns:p="http://schemas.openxmlformats.org/presentationml/2006/main">
+  <p:cSld>
+    <p:spTree>
+      <p:nvGrpSpPr>
+        <p:cNvPr id="1" name=""/>
+        <p:cNvGrpSpPr/>
+        <p:nvPr/>
+      </p:nvGrpSpPr>
+      <p:grpSpPr>
+        <a:xfrm>
+          <a:off x="0" y="0"/>
+          <a:ext cx="0" cy="0"/>
+          <a:chOff x="0" y="0"/>
+          <a:chExt cx="0" cy="0"/>
+        </a:xfrm>
+      </p:grpSpPr>
+      <p:sp>
+        <p:nvSpPr>
+          <p:cNvPr id="2" name="标题 1"/>
+          <p:cNvSpPr>
+            <a:spLocks noGrp="1"/>
+          </p:cNvSpPr>
+          <p:nvPr>
+            <p:ph type="title"/>
+          </p:nvPr>
+        </p:nvSpPr>
+        <p:spPr/>
+        <p:txBody>
+          <a:bodyPr/>
+          <a:lstStyle/>
+          <a:p>
+            <a:r>
+              <a:rPr kumimoji="1" lang="zh-CN" altLang="en-US" dirty="0" smtClean="0"/>
+              <a:t>本书目录：</a:t>
+            </a:r>
+            <a:endParaRPr kumimoji="1" lang="zh-CN" altLang="en-US" dirty="0"/>
+          </a:p>
+        </p:txBody>
+      </p:sp>
+      <p:sp>
+        <p:nvSpPr>
+          <p:cNvPr id="3" name="内容占位符 2"/>
+          <p:cNvSpPr>
+            <a:spLocks noGrp="1"/>
+          </p:cNvSpPr>
+          <p:nvPr>
+            <p:ph idx="1"/>
+          </p:nvPr>
+        </p:nvSpPr>
+        <p:spPr/>
+        <p:txBody>
+          <a:bodyPr/>
+          <a:lstStyle/>
+          <a:p>
+            <a:endParaRPr kumimoji="1" lang="zh-CN" altLang="en-US" dirty="0"/>
+          </a:p>
+        </p:txBody>
+      </p:sp>
+      <p:sp>
+        <p:nvSpPr>
+          <p:cNvPr id="4" name="文本框 3"/>
+          <p:cNvSpPr txBox="1"/>
+          <p:nvPr/>
+        </p:nvSpPr>
+        <p:spPr>
+          <a:xfrm>
+            <a:off x="-1065675" y="5795904"/>
+            <a:ext cx="184666" cy="369332"/>
+          </a:xfrm>
+          <a:prstGeom prst="rect">
+            <a:avLst/>
+          </a:prstGeom>
+          <a:noFill/>
+        </p:spPr>
+        <p:txBody>
+          <a:bodyPr wrap="none" rtlCol="0">
+            <a:spAutoFit/>
+          </a:bodyPr>
+          <a:lstStyle/>
+          <a:p>
+            <a:endParaRPr kumimoji="1" lang="zh-CN" altLang="en-US"/>
+          </a:p>
+        </p:txBody>
+      </p:sp>
+    </p:spTree>
+    <p:extLst>
+      <p:ext uri="{BB962C8B-B14F-4D97-AF65-F5344CB8AC3E}">
+        <p14:creationId xmlns:p14="http://schemas.microsoft.com/office/powerpoint/2010/main" val="3237149429"/>
+      </p:ext>
+    </p:extLst>
+  </p:cSld>
+  <p:clrMapOvr>
+    <a:masterClrMapping/>
+  </p:clrMapOvr>
 </p:sld>
 </file>
 

--- a/读书交流-林愉轩.pptx
+++ b/读书交流-林愉轩.pptx
@@ -8,6 +8,8 @@
     <p:sldId id="256" r:id="rId2"/>
     <p:sldId id="257" r:id="rId3"/>
     <p:sldId id="258" r:id="rId4"/>
+    <p:sldId id="259" r:id="rId5"/>
+    <p:sldId id="260" r:id="rId6"/>
   </p:sldIdLst>
   <p:sldSz cx="9144000" cy="6858000" type="screen4x3"/>
   <p:notesSz cx="6858000" cy="9144000"/>
@@ -17152,36 +17154,72 @@
               <a:rPr kumimoji="1" lang="en-US" altLang="zh-CN" dirty="0"/>
             </a:br>
             <a:r>
-              <a:rPr kumimoji="1" lang="en-US" altLang="zh-CN" dirty="0"/>
+              <a:rPr kumimoji="1" lang="en-US" altLang="zh-CN" dirty="0">
+                <a:latin typeface="华文琥珀"/>
+                <a:ea typeface="华文琥珀"/>
+                <a:cs typeface="华文琥珀"/>
+              </a:rPr>
               <a:t> </a:t>
             </a:r>
             <a:r>
-              <a:rPr kumimoji="1" lang="zh-CN" altLang="zh-CN" dirty="0" smtClean="0"/>
+              <a:rPr kumimoji="1" lang="zh-CN" altLang="zh-CN" dirty="0" smtClean="0">
+                <a:latin typeface="华文琥珀"/>
+                <a:ea typeface="华文琥珀"/>
+                <a:cs typeface="华文琥珀"/>
+              </a:rPr>
               <a:t>——</a:t>
             </a:r>
             <a:r>
-              <a:rPr kumimoji="1" lang="zh-CN" altLang="en-US" dirty="0" smtClean="0"/>
+              <a:rPr kumimoji="1" lang="zh-CN" altLang="en-US" dirty="0" smtClean="0">
+                <a:latin typeface="华文琥珀"/>
+                <a:ea typeface="华文琥珀"/>
+                <a:cs typeface="华文琥珀"/>
+              </a:rPr>
               <a:t>教孩子</a:t>
             </a:r>
             <a:r>
-              <a:rPr kumimoji="1" lang="en-US" altLang="zh-CN" dirty="0" smtClean="0"/>
+              <a:rPr kumimoji="1" lang="en-US" altLang="zh-CN" dirty="0" smtClean="0">
+                <a:latin typeface="华文琥珀"/>
+                <a:ea typeface="华文琥珀"/>
+                <a:cs typeface="华文琥珀"/>
+              </a:rPr>
               <a:t/>
             </a:r>
             <a:br>
-              <a:rPr kumimoji="1" lang="en-US" altLang="zh-CN" dirty="0" smtClean="0"/>
+              <a:rPr kumimoji="1" lang="en-US" altLang="zh-CN" dirty="0" smtClean="0">
+                <a:latin typeface="华文琥珀"/>
+                <a:ea typeface="华文琥珀"/>
+                <a:cs typeface="华文琥珀"/>
+              </a:rPr>
             </a:br>
             <a:r>
-              <a:rPr kumimoji="1" lang="zh-CN" altLang="en-US" dirty="0" smtClean="0"/>
+              <a:rPr kumimoji="1" lang="zh-CN" altLang="en-US" dirty="0" smtClean="0">
+                <a:latin typeface="华文琥珀"/>
+                <a:ea typeface="华文琥珀"/>
+                <a:cs typeface="华文琥珀"/>
+              </a:rPr>
               <a:t>学编程</a:t>
             </a:r>
             <a:r>
-              <a:rPr kumimoji="1" lang="en-US" altLang="zh-CN" dirty="0" smtClean="0"/>
+              <a:rPr kumimoji="1" lang="en-US" altLang="zh-CN" dirty="0" smtClean="0">
+                <a:latin typeface="华文琥珀"/>
+                <a:ea typeface="华文琥珀"/>
+                <a:cs typeface="华文琥珀"/>
+              </a:rPr>
               <a:t/>
             </a:r>
             <a:br>
-              <a:rPr kumimoji="1" lang="en-US" altLang="zh-CN" dirty="0" smtClean="0"/>
+              <a:rPr kumimoji="1" lang="en-US" altLang="zh-CN" dirty="0" smtClean="0">
+                <a:latin typeface="华文琥珀"/>
+                <a:ea typeface="华文琥珀"/>
+                <a:cs typeface="华文琥珀"/>
+              </a:rPr>
             </a:br>
-            <a:endParaRPr kumimoji="1" lang="zh-CN" altLang="en-US" dirty="0"/>
+            <a:endParaRPr kumimoji="1" lang="zh-CN" altLang="en-US" dirty="0">
+              <a:latin typeface="华文琥珀"/>
+              <a:ea typeface="华文琥珀"/>
+              <a:cs typeface="华文琥珀"/>
+            </a:endParaRPr>
           </a:p>
         </p:txBody>
       </p:sp>
@@ -17273,10 +17311,1327 @@
           <a:lstStyle/>
           <a:p>
             <a:r>
+              <a:rPr kumimoji="1" lang="zh-CN" altLang="en-US" dirty="0" smtClean="0">
+                <a:latin typeface="Arial Rounded MT Bold"/>
+                <a:cs typeface="Arial Rounded MT Bold"/>
+              </a:rPr>
+              <a:t>本</a:t>
+            </a:r>
+            <a:r>
               <a:rPr kumimoji="1" lang="zh-CN" altLang="en-US" dirty="0" smtClean="0"/>
-              <a:t>本书目录：</a:t>
+              <a:t>书目录：</a:t>
             </a:r>
             <a:endParaRPr kumimoji="1" lang="zh-CN" altLang="en-US" dirty="0"/>
+          </a:p>
+        </p:txBody>
+      </p:sp>
+      <p:sp>
+        <p:nvSpPr>
+          <p:cNvPr id="3" name="内容占位符 2"/>
+          <p:cNvSpPr>
+            <a:spLocks noGrp="1"/>
+          </p:cNvSpPr>
+          <p:nvPr>
+            <p:ph idx="1"/>
+          </p:nvPr>
+        </p:nvSpPr>
+        <p:spPr>
+          <a:xfrm>
+            <a:off x="712787" y="3060635"/>
+            <a:ext cx="7716838" cy="3388658"/>
+          </a:xfrm>
+        </p:spPr>
+        <p:txBody>
+          <a:bodyPr/>
+          <a:lstStyle/>
+          <a:p>
+            <a:pPr marL="0" indent="0">
+              <a:buNone/>
+            </a:pPr>
+            <a:r>
+              <a:rPr kumimoji="1" lang="zh-CN" altLang="zh-CN" dirty="0" smtClean="0">
+                <a:latin typeface="华文琥珀"/>
+                <a:ea typeface="华文琥珀"/>
+                <a:cs typeface="华文琥珀"/>
+              </a:rPr>
+              <a:t>1</a:t>
+            </a:r>
+            <a:r>
+              <a:rPr kumimoji="1" lang="en-US" altLang="zh-CN" dirty="0" smtClean="0">
+                <a:latin typeface="华文琥珀"/>
+                <a:ea typeface="华文琥珀"/>
+                <a:cs typeface="华文琥珀"/>
+              </a:rPr>
+              <a:t>Python</a:t>
+            </a:r>
+            <a:r>
+              <a:rPr kumimoji="1" lang="zh-CN" altLang="en-US" dirty="0" smtClean="0">
+                <a:latin typeface="华文琥珀"/>
+                <a:ea typeface="华文琥珀"/>
+                <a:cs typeface="华文琥珀"/>
+              </a:rPr>
+              <a:t>不是大蟒蛇</a:t>
+            </a:r>
+            <a:endParaRPr kumimoji="1" lang="en-US" altLang="zh-CN" dirty="0" smtClean="0">
+              <a:latin typeface="华文琥珀"/>
+              <a:ea typeface="华文琥珀"/>
+              <a:cs typeface="华文琥珀"/>
+            </a:endParaRPr>
+          </a:p>
+          <a:p>
+            <a:pPr marL="0" indent="0">
+              <a:buNone/>
+            </a:pPr>
+            <a:r>
+              <a:rPr kumimoji="1" lang="en-US" altLang="zh-CN" dirty="0" smtClean="0">
+                <a:latin typeface="华文琥珀"/>
+                <a:ea typeface="华文琥珀"/>
+                <a:cs typeface="华文琥珀"/>
+              </a:rPr>
+              <a:t>Part1</a:t>
+            </a:r>
+            <a:r>
+              <a:rPr kumimoji="1" lang="zh-CN" altLang="en-US" dirty="0" smtClean="0">
+                <a:latin typeface="华文琥珀"/>
+                <a:ea typeface="华文琥珀"/>
+                <a:cs typeface="华文琥珀"/>
+              </a:rPr>
+              <a:t>基本语法</a:t>
+            </a:r>
+            <a:endParaRPr kumimoji="1" lang="en-US" altLang="zh-CN" dirty="0">
+              <a:latin typeface="华文琥珀"/>
+              <a:ea typeface="华文琥珀"/>
+              <a:cs typeface="华文琥珀"/>
+            </a:endParaRPr>
+          </a:p>
+          <a:p>
+            <a:pPr marL="0" indent="0">
+              <a:buNone/>
+            </a:pPr>
+            <a:r>
+              <a:rPr kumimoji="1" lang="en-US" altLang="zh-CN" dirty="0" smtClean="0">
+                <a:latin typeface="华文琥珀"/>
+                <a:ea typeface="华文琥珀"/>
+                <a:cs typeface="华文琥珀"/>
+              </a:rPr>
+              <a:t>Part2 </a:t>
+            </a:r>
+            <a:r>
+              <a:rPr kumimoji="1" lang="zh-CN" altLang="en-US" dirty="0" smtClean="0">
+                <a:latin typeface="华文琥珀"/>
+                <a:ea typeface="华文琥珀"/>
+                <a:cs typeface="华文琥珀"/>
+              </a:rPr>
+              <a:t>弹球游戏实例</a:t>
+            </a:r>
+            <a:endParaRPr kumimoji="1" lang="en-US" altLang="zh-CN" dirty="0" smtClean="0">
+              <a:latin typeface="华文琥珀"/>
+              <a:ea typeface="华文琥珀"/>
+              <a:cs typeface="华文琥珀"/>
+            </a:endParaRPr>
+          </a:p>
+          <a:p>
+            <a:pPr marL="0" indent="0">
+              <a:buNone/>
+            </a:pPr>
+            <a:r>
+              <a:rPr kumimoji="1" lang="en-US" altLang="zh-CN" dirty="0" smtClean="0">
+                <a:latin typeface="华文琥珀"/>
+                <a:ea typeface="华文琥珀"/>
+                <a:cs typeface="华文琥珀"/>
+              </a:rPr>
+              <a:t>Part3 </a:t>
+            </a:r>
+            <a:r>
+              <a:rPr kumimoji="1" lang="zh-CN" altLang="en-US" dirty="0" smtClean="0">
+                <a:latin typeface="华文琥珀"/>
+                <a:ea typeface="华文琥珀"/>
+                <a:cs typeface="华文琥珀"/>
+              </a:rPr>
+              <a:t>火柴人逃生实例</a:t>
+            </a:r>
+            <a:endParaRPr kumimoji="1" lang="en-US" altLang="zh-CN" dirty="0" smtClean="0">
+              <a:latin typeface="华文琥珀"/>
+              <a:ea typeface="华文琥珀"/>
+              <a:cs typeface="华文琥珀"/>
+            </a:endParaRPr>
+          </a:p>
+          <a:p>
+            <a:pPr marL="0" indent="0">
+              <a:buNone/>
+            </a:pPr>
+            <a:r>
+              <a:rPr kumimoji="1" lang="zh-CN" altLang="en-US" dirty="0" smtClean="0">
+                <a:latin typeface="华文琥珀"/>
+                <a:ea typeface="华文琥珀"/>
+                <a:cs typeface="华文琥珀"/>
+              </a:rPr>
+              <a:t>结束语：接下来学什么？</a:t>
+            </a:r>
+            <a:endParaRPr kumimoji="1" lang="en-US" altLang="zh-CN" dirty="0" smtClean="0">
+              <a:latin typeface="华文琥珀"/>
+              <a:ea typeface="华文琥珀"/>
+              <a:cs typeface="华文琥珀"/>
+            </a:endParaRPr>
+          </a:p>
+          <a:p>
+            <a:pPr marL="0" indent="0">
+              <a:buNone/>
+            </a:pPr>
+            <a:endParaRPr kumimoji="1" lang="zh-CN" altLang="en-US" dirty="0">
+              <a:latin typeface="华文琥珀"/>
+              <a:ea typeface="华文琥珀"/>
+              <a:cs typeface="华文琥珀"/>
+            </a:endParaRPr>
+          </a:p>
+        </p:txBody>
+      </p:sp>
+    </p:spTree>
+    <p:extLst>
+      <p:ext uri="{BB962C8B-B14F-4D97-AF65-F5344CB8AC3E}">
+        <p14:creationId xmlns:p14="http://schemas.microsoft.com/office/powerpoint/2010/main" val="3237149429"/>
+      </p:ext>
+    </p:extLst>
+  </p:cSld>
+  <p:clrMapOvr>
+    <a:masterClrMapping/>
+  </p:clrMapOvr>
+  <p:timing>
+    <p:tnLst>
+      <p:par>
+        <p:cTn xmlns:p14="http://schemas.microsoft.com/office/powerpoint/2010/main" id="1" dur="indefinite" restart="never" nodeType="tmRoot">
+          <p:childTnLst>
+            <p:seq concurrent="1" nextAc="seek">
+              <p:cTn id="2" dur="indefinite" nodeType="mainSeq">
+                <p:childTnLst>
+                  <p:par>
+                    <p:cTn id="3" fill="hold">
+                      <p:stCondLst>
+                        <p:cond delay="indefinite"/>
+                      </p:stCondLst>
+                      <p:childTnLst>
+                        <p:par>
+                          <p:cTn id="4" fill="hold">
+                            <p:stCondLst>
+                              <p:cond delay="0"/>
+                            </p:stCondLst>
+                            <p:childTnLst>
+                              <p:par>
+                                <p:cTn id="5" presetID="38" presetClass="entr" presetSubtype="0" accel="50000" fill="hold" nodeType="clickEffect">
+                                  <p:stCondLst>
+                                    <p:cond delay="0"/>
+                                  </p:stCondLst>
+                                  <p:iterate type="lt">
+                                    <p:tmPct val="50000"/>
+                                  </p:iterate>
+                                  <p:childTnLst>
+                                    <p:set>
+                                      <p:cBhvr>
+                                        <p:cTn id="6" dur="1" fill="hold">
+                                          <p:stCondLst>
+                                            <p:cond delay="0"/>
+                                          </p:stCondLst>
+                                        </p:cTn>
+                                        <p:tgtEl>
+                                          <p:spTgt spid="3">
+                                            <p:txEl>
+                                              <p:pRg st="0" end="0"/>
+                                            </p:txEl>
+                                          </p:spTgt>
+                                        </p:tgtEl>
+                                        <p:attrNameLst>
+                                          <p:attrName>style.visibility</p:attrName>
+                                        </p:attrNameLst>
+                                      </p:cBhvr>
+                                      <p:to>
+                                        <p:strVal val="visible"/>
+                                      </p:to>
+                                    </p:set>
+                                    <p:set>
+                                      <p:cBhvr>
+                                        <p:cTn id="7" dur="455" fill="hold">
+                                          <p:stCondLst>
+                                            <p:cond delay="0"/>
+                                          </p:stCondLst>
+                                        </p:cTn>
+                                        <p:tgtEl>
+                                          <p:spTgt spid="3">
+                                            <p:txEl>
+                                              <p:pRg st="0" end="0"/>
+                                            </p:txEl>
+                                          </p:spTgt>
+                                        </p:tgtEl>
+                                        <p:attrNameLst>
+                                          <p:attrName>style.rotation</p:attrName>
+                                        </p:attrNameLst>
+                                      </p:cBhvr>
+                                      <p:to>
+                                        <p:strVal val="-45.0"/>
+                                      </p:to>
+                                    </p:set>
+                                    <p:anim calcmode="lin" valueType="num">
+                                      <p:cBhvr>
+                                        <p:cTn id="8" dur="455" fill="hold">
+                                          <p:stCondLst>
+                                            <p:cond delay="455"/>
+                                          </p:stCondLst>
+                                        </p:cTn>
+                                        <p:tgtEl>
+                                          <p:spTgt spid="3">
+                                            <p:txEl>
+                                              <p:pRg st="0" end="0"/>
+                                            </p:txEl>
+                                          </p:spTgt>
+                                        </p:tgtEl>
+                                        <p:attrNameLst>
+                                          <p:attrName>style.rotation</p:attrName>
+                                        </p:attrNameLst>
+                                      </p:cBhvr>
+                                      <p:tavLst>
+                                        <p:tav tm="0">
+                                          <p:val>
+                                            <p:fltVal val="-45"/>
+                                          </p:val>
+                                        </p:tav>
+                                        <p:tav tm="69900">
+                                          <p:val>
+                                            <p:fltVal val="45"/>
+                                          </p:val>
+                                        </p:tav>
+                                        <p:tav tm="100000">
+                                          <p:val>
+                                            <p:fltVal val="0"/>
+                                          </p:val>
+                                        </p:tav>
+                                      </p:tavLst>
+                                    </p:anim>
+                                    <p:anim calcmode="lin" valueType="num">
+                                      <p:cBhvr>
+                                        <p:cTn id="9" dur="455" fill="hold">
+                                          <p:stCondLst>
+                                            <p:cond delay="0"/>
+                                          </p:stCondLst>
+                                        </p:cTn>
+                                        <p:tgtEl>
+                                          <p:spTgt spid="3">
+                                            <p:txEl>
+                                              <p:pRg st="0" end="0"/>
+                                            </p:txEl>
+                                          </p:spTgt>
+                                        </p:tgtEl>
+                                        <p:attrNameLst>
+                                          <p:attrName>ppt_y</p:attrName>
+                                        </p:attrNameLst>
+                                      </p:cBhvr>
+                                      <p:tavLst>
+                                        <p:tav tm="0">
+                                          <p:val>
+                                            <p:strVal val="#ppt_y-1"/>
+                                          </p:val>
+                                        </p:tav>
+                                        <p:tav tm="100000">
+                                          <p:val>
+                                            <p:strVal val="#ppt_y-(0.354*#ppt_w-0.172*#ppt_h)"/>
+                                          </p:val>
+                                        </p:tav>
+                                      </p:tavLst>
+                                    </p:anim>
+                                    <p:anim calcmode="lin" valueType="num">
+                                      <p:cBhvr>
+                                        <p:cTn id="10" dur="156" decel="50000" autoRev="1" fill="hold">
+                                          <p:stCondLst>
+                                            <p:cond delay="455"/>
+                                          </p:stCondLst>
+                                        </p:cTn>
+                                        <p:tgtEl>
+                                          <p:spTgt spid="3">
+                                            <p:txEl>
+                                              <p:pRg st="0" end="0"/>
+                                            </p:txEl>
+                                          </p:spTgt>
+                                        </p:tgtEl>
+                                        <p:attrNameLst>
+                                          <p:attrName>ppt_y</p:attrName>
+                                        </p:attrNameLst>
+                                      </p:cBhvr>
+                                      <p:tavLst>
+                                        <p:tav tm="0">
+                                          <p:val>
+                                            <p:strVal val="#ppt_y-(0.354*#ppt_w-0.172*#ppt_h)"/>
+                                          </p:val>
+                                        </p:tav>
+                                        <p:tav tm="100000">
+                                          <p:val>
+                                            <p:strVal val="#ppt_y-(0.354*#ppt_w-0.172*#ppt_h)-#ppt_h/2"/>
+                                          </p:val>
+                                        </p:tav>
+                                      </p:tavLst>
+                                    </p:anim>
+                                    <p:anim calcmode="lin" valueType="num">
+                                      <p:cBhvr>
+                                        <p:cTn id="11" dur="136" fill="hold">
+                                          <p:stCondLst>
+                                            <p:cond delay="864"/>
+                                          </p:stCondLst>
+                                        </p:cTn>
+                                        <p:tgtEl>
+                                          <p:spTgt spid="3">
+                                            <p:txEl>
+                                              <p:pRg st="0" end="0"/>
+                                            </p:txEl>
+                                          </p:spTgt>
+                                        </p:tgtEl>
+                                        <p:attrNameLst>
+                                          <p:attrName>ppt_y</p:attrName>
+                                        </p:attrNameLst>
+                                      </p:cBhvr>
+                                      <p:tavLst>
+                                        <p:tav tm="0">
+                                          <p:val>
+                                            <p:strVal val="#ppt_y-(0.354*#ppt_w-0.172*#ppt_h)"/>
+                                          </p:val>
+                                        </p:tav>
+                                        <p:tav tm="100000">
+                                          <p:val>
+                                            <p:strVal val="#ppt_y"/>
+                                          </p:val>
+                                        </p:tav>
+                                      </p:tavLst>
+                                    </p:anim>
+                                  </p:childTnLst>
+                                  <p:subTnLst>
+                                    <p:audio>
+                                      <p:cMediaNode>
+                                        <p:cTn display="0" masterRel="sameClick">
+                                          <p:stCondLst>
+                                            <p:cond evt="begin" delay="0">
+                                              <p:tn val="5"/>
+                                            </p:cond>
+                                          </p:stCondLst>
+                                          <p:endCondLst>
+                                            <p:cond evt="onStopAudio" delay="0">
+                                              <p:tgtEl>
+                                                <p:sldTgt/>
+                                              </p:tgtEl>
+                                            </p:cond>
+                                          </p:endCondLst>
+                                        </p:cTn>
+                                        <p:tgtEl>
+                                          <p:sndTgt r:embed="rId2" name="枪声"/>
+                                        </p:tgtEl>
+                                      </p:cMediaNode>
+                                    </p:audio>
+                                  </p:subTnLst>
+                                </p:cTn>
+                              </p:par>
+                              <p:par>
+                                <p:cTn id="12" presetID="38" presetClass="entr" presetSubtype="0" accel="50000" fill="hold" nodeType="withEffect">
+                                  <p:stCondLst>
+                                    <p:cond delay="0"/>
+                                  </p:stCondLst>
+                                  <p:iterate type="lt">
+                                    <p:tmPct val="50000"/>
+                                  </p:iterate>
+                                  <p:childTnLst>
+                                    <p:set>
+                                      <p:cBhvr>
+                                        <p:cTn id="13" dur="1" fill="hold">
+                                          <p:stCondLst>
+                                            <p:cond delay="0"/>
+                                          </p:stCondLst>
+                                        </p:cTn>
+                                        <p:tgtEl>
+                                          <p:spTgt spid="3">
+                                            <p:txEl>
+                                              <p:pRg st="1" end="1"/>
+                                            </p:txEl>
+                                          </p:spTgt>
+                                        </p:tgtEl>
+                                        <p:attrNameLst>
+                                          <p:attrName>style.visibility</p:attrName>
+                                        </p:attrNameLst>
+                                      </p:cBhvr>
+                                      <p:to>
+                                        <p:strVal val="visible"/>
+                                      </p:to>
+                                    </p:set>
+                                    <p:set>
+                                      <p:cBhvr>
+                                        <p:cTn id="14" dur="455" fill="hold">
+                                          <p:stCondLst>
+                                            <p:cond delay="0"/>
+                                          </p:stCondLst>
+                                        </p:cTn>
+                                        <p:tgtEl>
+                                          <p:spTgt spid="3">
+                                            <p:txEl>
+                                              <p:pRg st="1" end="1"/>
+                                            </p:txEl>
+                                          </p:spTgt>
+                                        </p:tgtEl>
+                                        <p:attrNameLst>
+                                          <p:attrName>style.rotation</p:attrName>
+                                        </p:attrNameLst>
+                                      </p:cBhvr>
+                                      <p:to>
+                                        <p:strVal val="-45.0"/>
+                                      </p:to>
+                                    </p:set>
+                                    <p:anim calcmode="lin" valueType="num">
+                                      <p:cBhvr>
+                                        <p:cTn id="15" dur="455" fill="hold">
+                                          <p:stCondLst>
+                                            <p:cond delay="455"/>
+                                          </p:stCondLst>
+                                        </p:cTn>
+                                        <p:tgtEl>
+                                          <p:spTgt spid="3">
+                                            <p:txEl>
+                                              <p:pRg st="1" end="1"/>
+                                            </p:txEl>
+                                          </p:spTgt>
+                                        </p:tgtEl>
+                                        <p:attrNameLst>
+                                          <p:attrName>style.rotation</p:attrName>
+                                        </p:attrNameLst>
+                                      </p:cBhvr>
+                                      <p:tavLst>
+                                        <p:tav tm="0">
+                                          <p:val>
+                                            <p:fltVal val="-45"/>
+                                          </p:val>
+                                        </p:tav>
+                                        <p:tav tm="69900">
+                                          <p:val>
+                                            <p:fltVal val="45"/>
+                                          </p:val>
+                                        </p:tav>
+                                        <p:tav tm="100000">
+                                          <p:val>
+                                            <p:fltVal val="0"/>
+                                          </p:val>
+                                        </p:tav>
+                                      </p:tavLst>
+                                    </p:anim>
+                                    <p:anim calcmode="lin" valueType="num">
+                                      <p:cBhvr>
+                                        <p:cTn id="16" dur="455" fill="hold">
+                                          <p:stCondLst>
+                                            <p:cond delay="0"/>
+                                          </p:stCondLst>
+                                        </p:cTn>
+                                        <p:tgtEl>
+                                          <p:spTgt spid="3">
+                                            <p:txEl>
+                                              <p:pRg st="1" end="1"/>
+                                            </p:txEl>
+                                          </p:spTgt>
+                                        </p:tgtEl>
+                                        <p:attrNameLst>
+                                          <p:attrName>ppt_y</p:attrName>
+                                        </p:attrNameLst>
+                                      </p:cBhvr>
+                                      <p:tavLst>
+                                        <p:tav tm="0">
+                                          <p:val>
+                                            <p:strVal val="#ppt_y-1"/>
+                                          </p:val>
+                                        </p:tav>
+                                        <p:tav tm="100000">
+                                          <p:val>
+                                            <p:strVal val="#ppt_y-(0.354*#ppt_w-0.172*#ppt_h)"/>
+                                          </p:val>
+                                        </p:tav>
+                                      </p:tavLst>
+                                    </p:anim>
+                                    <p:anim calcmode="lin" valueType="num">
+                                      <p:cBhvr>
+                                        <p:cTn id="17" dur="156" decel="50000" autoRev="1" fill="hold">
+                                          <p:stCondLst>
+                                            <p:cond delay="455"/>
+                                          </p:stCondLst>
+                                        </p:cTn>
+                                        <p:tgtEl>
+                                          <p:spTgt spid="3">
+                                            <p:txEl>
+                                              <p:pRg st="1" end="1"/>
+                                            </p:txEl>
+                                          </p:spTgt>
+                                        </p:tgtEl>
+                                        <p:attrNameLst>
+                                          <p:attrName>ppt_y</p:attrName>
+                                        </p:attrNameLst>
+                                      </p:cBhvr>
+                                      <p:tavLst>
+                                        <p:tav tm="0">
+                                          <p:val>
+                                            <p:strVal val="#ppt_y-(0.354*#ppt_w-0.172*#ppt_h)"/>
+                                          </p:val>
+                                        </p:tav>
+                                        <p:tav tm="100000">
+                                          <p:val>
+                                            <p:strVal val="#ppt_y-(0.354*#ppt_w-0.172*#ppt_h)-#ppt_h/2"/>
+                                          </p:val>
+                                        </p:tav>
+                                      </p:tavLst>
+                                    </p:anim>
+                                    <p:anim calcmode="lin" valueType="num">
+                                      <p:cBhvr>
+                                        <p:cTn id="18" dur="136" fill="hold">
+                                          <p:stCondLst>
+                                            <p:cond delay="864"/>
+                                          </p:stCondLst>
+                                        </p:cTn>
+                                        <p:tgtEl>
+                                          <p:spTgt spid="3">
+                                            <p:txEl>
+                                              <p:pRg st="1" end="1"/>
+                                            </p:txEl>
+                                          </p:spTgt>
+                                        </p:tgtEl>
+                                        <p:attrNameLst>
+                                          <p:attrName>ppt_y</p:attrName>
+                                        </p:attrNameLst>
+                                      </p:cBhvr>
+                                      <p:tavLst>
+                                        <p:tav tm="0">
+                                          <p:val>
+                                            <p:strVal val="#ppt_y-(0.354*#ppt_w-0.172*#ppt_h)"/>
+                                          </p:val>
+                                        </p:tav>
+                                        <p:tav tm="100000">
+                                          <p:val>
+                                            <p:strVal val="#ppt_y"/>
+                                          </p:val>
+                                        </p:tav>
+                                      </p:tavLst>
+                                    </p:anim>
+                                  </p:childTnLst>
+                                  <p:subTnLst>
+                                    <p:audio>
+                                      <p:cMediaNode>
+                                        <p:cTn display="0" masterRel="sameClick">
+                                          <p:stCondLst>
+                                            <p:cond evt="begin" delay="0">
+                                              <p:tn val="12"/>
+                                            </p:cond>
+                                          </p:stCondLst>
+                                          <p:endCondLst>
+                                            <p:cond evt="onStopAudio" delay="0">
+                                              <p:tgtEl>
+                                                <p:sldTgt/>
+                                              </p:tgtEl>
+                                            </p:cond>
+                                          </p:endCondLst>
+                                        </p:cTn>
+                                        <p:tgtEl>
+                                          <p:sndTgt r:embed="rId2" name="枪声"/>
+                                        </p:tgtEl>
+                                      </p:cMediaNode>
+                                    </p:audio>
+                                  </p:subTnLst>
+                                </p:cTn>
+                              </p:par>
+                              <p:par>
+                                <p:cTn id="19" presetID="38" presetClass="entr" presetSubtype="0" accel="50000" fill="hold" nodeType="withEffect">
+                                  <p:stCondLst>
+                                    <p:cond delay="0"/>
+                                  </p:stCondLst>
+                                  <p:iterate type="lt">
+                                    <p:tmPct val="50000"/>
+                                  </p:iterate>
+                                  <p:childTnLst>
+                                    <p:set>
+                                      <p:cBhvr>
+                                        <p:cTn id="20" dur="1" fill="hold">
+                                          <p:stCondLst>
+                                            <p:cond delay="0"/>
+                                          </p:stCondLst>
+                                        </p:cTn>
+                                        <p:tgtEl>
+                                          <p:spTgt spid="3">
+                                            <p:txEl>
+                                              <p:pRg st="2" end="2"/>
+                                            </p:txEl>
+                                          </p:spTgt>
+                                        </p:tgtEl>
+                                        <p:attrNameLst>
+                                          <p:attrName>style.visibility</p:attrName>
+                                        </p:attrNameLst>
+                                      </p:cBhvr>
+                                      <p:to>
+                                        <p:strVal val="visible"/>
+                                      </p:to>
+                                    </p:set>
+                                    <p:set>
+                                      <p:cBhvr>
+                                        <p:cTn id="21" dur="455" fill="hold">
+                                          <p:stCondLst>
+                                            <p:cond delay="0"/>
+                                          </p:stCondLst>
+                                        </p:cTn>
+                                        <p:tgtEl>
+                                          <p:spTgt spid="3">
+                                            <p:txEl>
+                                              <p:pRg st="2" end="2"/>
+                                            </p:txEl>
+                                          </p:spTgt>
+                                        </p:tgtEl>
+                                        <p:attrNameLst>
+                                          <p:attrName>style.rotation</p:attrName>
+                                        </p:attrNameLst>
+                                      </p:cBhvr>
+                                      <p:to>
+                                        <p:strVal val="-45.0"/>
+                                      </p:to>
+                                    </p:set>
+                                    <p:anim calcmode="lin" valueType="num">
+                                      <p:cBhvr>
+                                        <p:cTn id="22" dur="455" fill="hold">
+                                          <p:stCondLst>
+                                            <p:cond delay="455"/>
+                                          </p:stCondLst>
+                                        </p:cTn>
+                                        <p:tgtEl>
+                                          <p:spTgt spid="3">
+                                            <p:txEl>
+                                              <p:pRg st="2" end="2"/>
+                                            </p:txEl>
+                                          </p:spTgt>
+                                        </p:tgtEl>
+                                        <p:attrNameLst>
+                                          <p:attrName>style.rotation</p:attrName>
+                                        </p:attrNameLst>
+                                      </p:cBhvr>
+                                      <p:tavLst>
+                                        <p:tav tm="0">
+                                          <p:val>
+                                            <p:fltVal val="-45"/>
+                                          </p:val>
+                                        </p:tav>
+                                        <p:tav tm="69900">
+                                          <p:val>
+                                            <p:fltVal val="45"/>
+                                          </p:val>
+                                        </p:tav>
+                                        <p:tav tm="100000">
+                                          <p:val>
+                                            <p:fltVal val="0"/>
+                                          </p:val>
+                                        </p:tav>
+                                      </p:tavLst>
+                                    </p:anim>
+                                    <p:anim calcmode="lin" valueType="num">
+                                      <p:cBhvr>
+                                        <p:cTn id="23" dur="455" fill="hold">
+                                          <p:stCondLst>
+                                            <p:cond delay="0"/>
+                                          </p:stCondLst>
+                                        </p:cTn>
+                                        <p:tgtEl>
+                                          <p:spTgt spid="3">
+                                            <p:txEl>
+                                              <p:pRg st="2" end="2"/>
+                                            </p:txEl>
+                                          </p:spTgt>
+                                        </p:tgtEl>
+                                        <p:attrNameLst>
+                                          <p:attrName>ppt_y</p:attrName>
+                                        </p:attrNameLst>
+                                      </p:cBhvr>
+                                      <p:tavLst>
+                                        <p:tav tm="0">
+                                          <p:val>
+                                            <p:strVal val="#ppt_y-1"/>
+                                          </p:val>
+                                        </p:tav>
+                                        <p:tav tm="100000">
+                                          <p:val>
+                                            <p:strVal val="#ppt_y-(0.354*#ppt_w-0.172*#ppt_h)"/>
+                                          </p:val>
+                                        </p:tav>
+                                      </p:tavLst>
+                                    </p:anim>
+                                    <p:anim calcmode="lin" valueType="num">
+                                      <p:cBhvr>
+                                        <p:cTn id="24" dur="156" decel="50000" autoRev="1" fill="hold">
+                                          <p:stCondLst>
+                                            <p:cond delay="455"/>
+                                          </p:stCondLst>
+                                        </p:cTn>
+                                        <p:tgtEl>
+                                          <p:spTgt spid="3">
+                                            <p:txEl>
+                                              <p:pRg st="2" end="2"/>
+                                            </p:txEl>
+                                          </p:spTgt>
+                                        </p:tgtEl>
+                                        <p:attrNameLst>
+                                          <p:attrName>ppt_y</p:attrName>
+                                        </p:attrNameLst>
+                                      </p:cBhvr>
+                                      <p:tavLst>
+                                        <p:tav tm="0">
+                                          <p:val>
+                                            <p:strVal val="#ppt_y-(0.354*#ppt_w-0.172*#ppt_h)"/>
+                                          </p:val>
+                                        </p:tav>
+                                        <p:tav tm="100000">
+                                          <p:val>
+                                            <p:strVal val="#ppt_y-(0.354*#ppt_w-0.172*#ppt_h)-#ppt_h/2"/>
+                                          </p:val>
+                                        </p:tav>
+                                      </p:tavLst>
+                                    </p:anim>
+                                    <p:anim calcmode="lin" valueType="num">
+                                      <p:cBhvr>
+                                        <p:cTn id="25" dur="136" fill="hold">
+                                          <p:stCondLst>
+                                            <p:cond delay="864"/>
+                                          </p:stCondLst>
+                                        </p:cTn>
+                                        <p:tgtEl>
+                                          <p:spTgt spid="3">
+                                            <p:txEl>
+                                              <p:pRg st="2" end="2"/>
+                                            </p:txEl>
+                                          </p:spTgt>
+                                        </p:tgtEl>
+                                        <p:attrNameLst>
+                                          <p:attrName>ppt_y</p:attrName>
+                                        </p:attrNameLst>
+                                      </p:cBhvr>
+                                      <p:tavLst>
+                                        <p:tav tm="0">
+                                          <p:val>
+                                            <p:strVal val="#ppt_y-(0.354*#ppt_w-0.172*#ppt_h)"/>
+                                          </p:val>
+                                        </p:tav>
+                                        <p:tav tm="100000">
+                                          <p:val>
+                                            <p:strVal val="#ppt_y"/>
+                                          </p:val>
+                                        </p:tav>
+                                      </p:tavLst>
+                                    </p:anim>
+                                  </p:childTnLst>
+                                  <p:subTnLst>
+                                    <p:audio>
+                                      <p:cMediaNode>
+                                        <p:cTn display="0" masterRel="sameClick">
+                                          <p:stCondLst>
+                                            <p:cond evt="begin" delay="0">
+                                              <p:tn val="19"/>
+                                            </p:cond>
+                                          </p:stCondLst>
+                                          <p:endCondLst>
+                                            <p:cond evt="onStopAudio" delay="0">
+                                              <p:tgtEl>
+                                                <p:sldTgt/>
+                                              </p:tgtEl>
+                                            </p:cond>
+                                          </p:endCondLst>
+                                        </p:cTn>
+                                        <p:tgtEl>
+                                          <p:sndTgt r:embed="rId2" name="枪声"/>
+                                        </p:tgtEl>
+                                      </p:cMediaNode>
+                                    </p:audio>
+                                  </p:subTnLst>
+                                </p:cTn>
+                              </p:par>
+                              <p:par>
+                                <p:cTn id="26" presetID="38" presetClass="entr" presetSubtype="0" accel="50000" fill="hold" nodeType="withEffect">
+                                  <p:stCondLst>
+                                    <p:cond delay="0"/>
+                                  </p:stCondLst>
+                                  <p:iterate type="lt">
+                                    <p:tmPct val="50000"/>
+                                  </p:iterate>
+                                  <p:childTnLst>
+                                    <p:set>
+                                      <p:cBhvr>
+                                        <p:cTn id="27" dur="1" fill="hold">
+                                          <p:stCondLst>
+                                            <p:cond delay="0"/>
+                                          </p:stCondLst>
+                                        </p:cTn>
+                                        <p:tgtEl>
+                                          <p:spTgt spid="3">
+                                            <p:txEl>
+                                              <p:pRg st="3" end="3"/>
+                                            </p:txEl>
+                                          </p:spTgt>
+                                        </p:tgtEl>
+                                        <p:attrNameLst>
+                                          <p:attrName>style.visibility</p:attrName>
+                                        </p:attrNameLst>
+                                      </p:cBhvr>
+                                      <p:to>
+                                        <p:strVal val="visible"/>
+                                      </p:to>
+                                    </p:set>
+                                    <p:set>
+                                      <p:cBhvr>
+                                        <p:cTn id="28" dur="455" fill="hold">
+                                          <p:stCondLst>
+                                            <p:cond delay="0"/>
+                                          </p:stCondLst>
+                                        </p:cTn>
+                                        <p:tgtEl>
+                                          <p:spTgt spid="3">
+                                            <p:txEl>
+                                              <p:pRg st="3" end="3"/>
+                                            </p:txEl>
+                                          </p:spTgt>
+                                        </p:tgtEl>
+                                        <p:attrNameLst>
+                                          <p:attrName>style.rotation</p:attrName>
+                                        </p:attrNameLst>
+                                      </p:cBhvr>
+                                      <p:to>
+                                        <p:strVal val="-45.0"/>
+                                      </p:to>
+                                    </p:set>
+                                    <p:anim calcmode="lin" valueType="num">
+                                      <p:cBhvr>
+                                        <p:cTn id="29" dur="455" fill="hold">
+                                          <p:stCondLst>
+                                            <p:cond delay="455"/>
+                                          </p:stCondLst>
+                                        </p:cTn>
+                                        <p:tgtEl>
+                                          <p:spTgt spid="3">
+                                            <p:txEl>
+                                              <p:pRg st="3" end="3"/>
+                                            </p:txEl>
+                                          </p:spTgt>
+                                        </p:tgtEl>
+                                        <p:attrNameLst>
+                                          <p:attrName>style.rotation</p:attrName>
+                                        </p:attrNameLst>
+                                      </p:cBhvr>
+                                      <p:tavLst>
+                                        <p:tav tm="0">
+                                          <p:val>
+                                            <p:fltVal val="-45"/>
+                                          </p:val>
+                                        </p:tav>
+                                        <p:tav tm="69900">
+                                          <p:val>
+                                            <p:fltVal val="45"/>
+                                          </p:val>
+                                        </p:tav>
+                                        <p:tav tm="100000">
+                                          <p:val>
+                                            <p:fltVal val="0"/>
+                                          </p:val>
+                                        </p:tav>
+                                      </p:tavLst>
+                                    </p:anim>
+                                    <p:anim calcmode="lin" valueType="num">
+                                      <p:cBhvr>
+                                        <p:cTn id="30" dur="455" fill="hold">
+                                          <p:stCondLst>
+                                            <p:cond delay="0"/>
+                                          </p:stCondLst>
+                                        </p:cTn>
+                                        <p:tgtEl>
+                                          <p:spTgt spid="3">
+                                            <p:txEl>
+                                              <p:pRg st="3" end="3"/>
+                                            </p:txEl>
+                                          </p:spTgt>
+                                        </p:tgtEl>
+                                        <p:attrNameLst>
+                                          <p:attrName>ppt_y</p:attrName>
+                                        </p:attrNameLst>
+                                      </p:cBhvr>
+                                      <p:tavLst>
+                                        <p:tav tm="0">
+                                          <p:val>
+                                            <p:strVal val="#ppt_y-1"/>
+                                          </p:val>
+                                        </p:tav>
+                                        <p:tav tm="100000">
+                                          <p:val>
+                                            <p:strVal val="#ppt_y-(0.354*#ppt_w-0.172*#ppt_h)"/>
+                                          </p:val>
+                                        </p:tav>
+                                      </p:tavLst>
+                                    </p:anim>
+                                    <p:anim calcmode="lin" valueType="num">
+                                      <p:cBhvr>
+                                        <p:cTn id="31" dur="156" decel="50000" autoRev="1" fill="hold">
+                                          <p:stCondLst>
+                                            <p:cond delay="455"/>
+                                          </p:stCondLst>
+                                        </p:cTn>
+                                        <p:tgtEl>
+                                          <p:spTgt spid="3">
+                                            <p:txEl>
+                                              <p:pRg st="3" end="3"/>
+                                            </p:txEl>
+                                          </p:spTgt>
+                                        </p:tgtEl>
+                                        <p:attrNameLst>
+                                          <p:attrName>ppt_y</p:attrName>
+                                        </p:attrNameLst>
+                                      </p:cBhvr>
+                                      <p:tavLst>
+                                        <p:tav tm="0">
+                                          <p:val>
+                                            <p:strVal val="#ppt_y-(0.354*#ppt_w-0.172*#ppt_h)"/>
+                                          </p:val>
+                                        </p:tav>
+                                        <p:tav tm="100000">
+                                          <p:val>
+                                            <p:strVal val="#ppt_y-(0.354*#ppt_w-0.172*#ppt_h)-#ppt_h/2"/>
+                                          </p:val>
+                                        </p:tav>
+                                      </p:tavLst>
+                                    </p:anim>
+                                    <p:anim calcmode="lin" valueType="num">
+                                      <p:cBhvr>
+                                        <p:cTn id="32" dur="136" fill="hold">
+                                          <p:stCondLst>
+                                            <p:cond delay="864"/>
+                                          </p:stCondLst>
+                                        </p:cTn>
+                                        <p:tgtEl>
+                                          <p:spTgt spid="3">
+                                            <p:txEl>
+                                              <p:pRg st="3" end="3"/>
+                                            </p:txEl>
+                                          </p:spTgt>
+                                        </p:tgtEl>
+                                        <p:attrNameLst>
+                                          <p:attrName>ppt_y</p:attrName>
+                                        </p:attrNameLst>
+                                      </p:cBhvr>
+                                      <p:tavLst>
+                                        <p:tav tm="0">
+                                          <p:val>
+                                            <p:strVal val="#ppt_y-(0.354*#ppt_w-0.172*#ppt_h)"/>
+                                          </p:val>
+                                        </p:tav>
+                                        <p:tav tm="100000">
+                                          <p:val>
+                                            <p:strVal val="#ppt_y"/>
+                                          </p:val>
+                                        </p:tav>
+                                      </p:tavLst>
+                                    </p:anim>
+                                  </p:childTnLst>
+                                  <p:subTnLst>
+                                    <p:audio>
+                                      <p:cMediaNode>
+                                        <p:cTn display="0" masterRel="sameClick">
+                                          <p:stCondLst>
+                                            <p:cond evt="begin" delay="0">
+                                              <p:tn val="26"/>
+                                            </p:cond>
+                                          </p:stCondLst>
+                                          <p:endCondLst>
+                                            <p:cond evt="onStopAudio" delay="0">
+                                              <p:tgtEl>
+                                                <p:sldTgt/>
+                                              </p:tgtEl>
+                                            </p:cond>
+                                          </p:endCondLst>
+                                        </p:cTn>
+                                        <p:tgtEl>
+                                          <p:sndTgt r:embed="rId2" name="枪声"/>
+                                        </p:tgtEl>
+                                      </p:cMediaNode>
+                                    </p:audio>
+                                  </p:subTnLst>
+                                </p:cTn>
+                              </p:par>
+                              <p:par>
+                                <p:cTn id="33" presetID="38" presetClass="entr" presetSubtype="0" accel="50000" fill="hold" nodeType="withEffect">
+                                  <p:stCondLst>
+                                    <p:cond delay="0"/>
+                                  </p:stCondLst>
+                                  <p:iterate type="lt">
+                                    <p:tmPct val="50000"/>
+                                  </p:iterate>
+                                  <p:childTnLst>
+                                    <p:set>
+                                      <p:cBhvr>
+                                        <p:cTn id="34" dur="1" fill="hold">
+                                          <p:stCondLst>
+                                            <p:cond delay="0"/>
+                                          </p:stCondLst>
+                                        </p:cTn>
+                                        <p:tgtEl>
+                                          <p:spTgt spid="3">
+                                            <p:txEl>
+                                              <p:pRg st="4" end="4"/>
+                                            </p:txEl>
+                                          </p:spTgt>
+                                        </p:tgtEl>
+                                        <p:attrNameLst>
+                                          <p:attrName>style.visibility</p:attrName>
+                                        </p:attrNameLst>
+                                      </p:cBhvr>
+                                      <p:to>
+                                        <p:strVal val="visible"/>
+                                      </p:to>
+                                    </p:set>
+                                    <p:set>
+                                      <p:cBhvr>
+                                        <p:cTn id="35" dur="455" fill="hold">
+                                          <p:stCondLst>
+                                            <p:cond delay="0"/>
+                                          </p:stCondLst>
+                                        </p:cTn>
+                                        <p:tgtEl>
+                                          <p:spTgt spid="3">
+                                            <p:txEl>
+                                              <p:pRg st="4" end="4"/>
+                                            </p:txEl>
+                                          </p:spTgt>
+                                        </p:tgtEl>
+                                        <p:attrNameLst>
+                                          <p:attrName>style.rotation</p:attrName>
+                                        </p:attrNameLst>
+                                      </p:cBhvr>
+                                      <p:to>
+                                        <p:strVal val="-45.0"/>
+                                      </p:to>
+                                    </p:set>
+                                    <p:anim calcmode="lin" valueType="num">
+                                      <p:cBhvr>
+                                        <p:cTn id="36" dur="455" fill="hold">
+                                          <p:stCondLst>
+                                            <p:cond delay="455"/>
+                                          </p:stCondLst>
+                                        </p:cTn>
+                                        <p:tgtEl>
+                                          <p:spTgt spid="3">
+                                            <p:txEl>
+                                              <p:pRg st="4" end="4"/>
+                                            </p:txEl>
+                                          </p:spTgt>
+                                        </p:tgtEl>
+                                        <p:attrNameLst>
+                                          <p:attrName>style.rotation</p:attrName>
+                                        </p:attrNameLst>
+                                      </p:cBhvr>
+                                      <p:tavLst>
+                                        <p:tav tm="0">
+                                          <p:val>
+                                            <p:fltVal val="-45"/>
+                                          </p:val>
+                                        </p:tav>
+                                        <p:tav tm="69900">
+                                          <p:val>
+                                            <p:fltVal val="45"/>
+                                          </p:val>
+                                        </p:tav>
+                                        <p:tav tm="100000">
+                                          <p:val>
+                                            <p:fltVal val="0"/>
+                                          </p:val>
+                                        </p:tav>
+                                      </p:tavLst>
+                                    </p:anim>
+                                    <p:anim calcmode="lin" valueType="num">
+                                      <p:cBhvr>
+                                        <p:cTn id="37" dur="455" fill="hold">
+                                          <p:stCondLst>
+                                            <p:cond delay="0"/>
+                                          </p:stCondLst>
+                                        </p:cTn>
+                                        <p:tgtEl>
+                                          <p:spTgt spid="3">
+                                            <p:txEl>
+                                              <p:pRg st="4" end="4"/>
+                                            </p:txEl>
+                                          </p:spTgt>
+                                        </p:tgtEl>
+                                        <p:attrNameLst>
+                                          <p:attrName>ppt_y</p:attrName>
+                                        </p:attrNameLst>
+                                      </p:cBhvr>
+                                      <p:tavLst>
+                                        <p:tav tm="0">
+                                          <p:val>
+                                            <p:strVal val="#ppt_y-1"/>
+                                          </p:val>
+                                        </p:tav>
+                                        <p:tav tm="100000">
+                                          <p:val>
+                                            <p:strVal val="#ppt_y-(0.354*#ppt_w-0.172*#ppt_h)"/>
+                                          </p:val>
+                                        </p:tav>
+                                      </p:tavLst>
+                                    </p:anim>
+                                    <p:anim calcmode="lin" valueType="num">
+                                      <p:cBhvr>
+                                        <p:cTn id="38" dur="156" decel="50000" autoRev="1" fill="hold">
+                                          <p:stCondLst>
+                                            <p:cond delay="455"/>
+                                          </p:stCondLst>
+                                        </p:cTn>
+                                        <p:tgtEl>
+                                          <p:spTgt spid="3">
+                                            <p:txEl>
+                                              <p:pRg st="4" end="4"/>
+                                            </p:txEl>
+                                          </p:spTgt>
+                                        </p:tgtEl>
+                                        <p:attrNameLst>
+                                          <p:attrName>ppt_y</p:attrName>
+                                        </p:attrNameLst>
+                                      </p:cBhvr>
+                                      <p:tavLst>
+                                        <p:tav tm="0">
+                                          <p:val>
+                                            <p:strVal val="#ppt_y-(0.354*#ppt_w-0.172*#ppt_h)"/>
+                                          </p:val>
+                                        </p:tav>
+                                        <p:tav tm="100000">
+                                          <p:val>
+                                            <p:strVal val="#ppt_y-(0.354*#ppt_w-0.172*#ppt_h)-#ppt_h/2"/>
+                                          </p:val>
+                                        </p:tav>
+                                      </p:tavLst>
+                                    </p:anim>
+                                    <p:anim calcmode="lin" valueType="num">
+                                      <p:cBhvr>
+                                        <p:cTn id="39" dur="136" fill="hold">
+                                          <p:stCondLst>
+                                            <p:cond delay="864"/>
+                                          </p:stCondLst>
+                                        </p:cTn>
+                                        <p:tgtEl>
+                                          <p:spTgt spid="3">
+                                            <p:txEl>
+                                              <p:pRg st="4" end="4"/>
+                                            </p:txEl>
+                                          </p:spTgt>
+                                        </p:tgtEl>
+                                        <p:attrNameLst>
+                                          <p:attrName>ppt_y</p:attrName>
+                                        </p:attrNameLst>
+                                      </p:cBhvr>
+                                      <p:tavLst>
+                                        <p:tav tm="0">
+                                          <p:val>
+                                            <p:strVal val="#ppt_y-(0.354*#ppt_w-0.172*#ppt_h)"/>
+                                          </p:val>
+                                        </p:tav>
+                                        <p:tav tm="100000">
+                                          <p:val>
+                                            <p:strVal val="#ppt_y"/>
+                                          </p:val>
+                                        </p:tav>
+                                      </p:tavLst>
+                                    </p:anim>
+                                  </p:childTnLst>
+                                  <p:subTnLst>
+                                    <p:audio>
+                                      <p:cMediaNode>
+                                        <p:cTn display="0" masterRel="sameClick">
+                                          <p:stCondLst>
+                                            <p:cond evt="begin" delay="0">
+                                              <p:tn val="33"/>
+                                            </p:cond>
+                                          </p:stCondLst>
+                                          <p:endCondLst>
+                                            <p:cond evt="onStopAudio" delay="0">
+                                              <p:tgtEl>
+                                                <p:sldTgt/>
+                                              </p:tgtEl>
+                                            </p:cond>
+                                          </p:endCondLst>
+                                        </p:cTn>
+                                        <p:tgtEl>
+                                          <p:sndTgt r:embed="rId2" name="枪声"/>
+                                        </p:tgtEl>
+                                      </p:cMediaNode>
+                                    </p:audio>
+                                  </p:subTnLst>
+                                </p:cTn>
+                              </p:par>
+                            </p:childTnLst>
+                          </p:cTn>
+                        </p:par>
+                      </p:childTnLst>
+                    </p:cTn>
+                  </p:par>
+                </p:childTnLst>
+              </p:cTn>
+              <p:prevCondLst>
+                <p:cond evt="onPrev" delay="0">
+                  <p:tgtEl>
+                    <p:sldTgt/>
+                  </p:tgtEl>
+                </p:cond>
+              </p:prevCondLst>
+              <p:nextCondLst>
+                <p:cond evt="onNext" delay="0">
+                  <p:tgtEl>
+                    <p:sldTgt/>
+                  </p:tgtEl>
+                </p:cond>
+              </p:nextCondLst>
+            </p:seq>
+          </p:childTnLst>
+        </p:cTn>
+      </p:par>
+    </p:tnLst>
+  </p:timing>
+</p:sld>
+</file>
+
+<file path=ppt/slides/slide4.xml><?xml version="1.0" encoding="utf-8"?>
+<p:sld xmlns:a="http://schemas.openxmlformats.org/drawingml/2006/main" xmlns:r="http://schemas.openxmlformats.org/officeDocument/2006/relationships" xmlns:p="http://schemas.openxmlformats.org/presentationml/2006/main">
+  <p:cSld>
+    <p:spTree>
+      <p:nvGrpSpPr>
+        <p:cNvPr id="1" name=""/>
+        <p:cNvGrpSpPr/>
+        <p:nvPr/>
+      </p:nvGrpSpPr>
+      <p:grpSpPr>
+        <a:xfrm>
+          <a:off x="0" y="0"/>
+          <a:ext cx="0" cy="0"/>
+          <a:chOff x="0" y="0"/>
+          <a:chExt cx="0" cy="0"/>
+        </a:xfrm>
+      </p:grpSpPr>
+      <p:sp>
+        <p:nvSpPr>
+          <p:cNvPr id="2" name="标题 1"/>
+          <p:cNvSpPr>
+            <a:spLocks noGrp="1"/>
+          </p:cNvSpPr>
+          <p:nvPr>
+            <p:ph type="title"/>
+          </p:nvPr>
+        </p:nvSpPr>
+        <p:spPr/>
+        <p:txBody>
+          <a:bodyPr/>
+          <a:lstStyle/>
+          <a:p>
+            <a:r>
+              <a:rPr kumimoji="1" lang="zh-CN" altLang="en-US" dirty="0" smtClean="0">
+                <a:latin typeface="华文琥珀"/>
+                <a:ea typeface="华文琥珀"/>
+                <a:cs typeface="华文琥珀"/>
+              </a:rPr>
+              <a:t>关于游戏制作</a:t>
+            </a:r>
+            <a:endParaRPr kumimoji="1" lang="zh-CN" altLang="en-US" dirty="0">
+              <a:latin typeface="华文琥珀"/>
+              <a:ea typeface="华文琥珀"/>
+              <a:cs typeface="华文琥珀"/>
+            </a:endParaRPr>
           </a:p>
         </p:txBody>
       </p:sp>
@@ -17295,30 +18650,83 @@
           <a:bodyPr/>
           <a:lstStyle/>
           <a:p>
-            <a:endParaRPr kumimoji="1" lang="zh-CN" altLang="en-US" dirty="0"/>
+            <a:endParaRPr kumimoji="1" lang="zh-CN" altLang="en-US" dirty="0">
+              <a:latin typeface="华文琥珀"/>
+              <a:ea typeface="华文琥珀"/>
+              <a:cs typeface="华文琥珀"/>
+            </a:endParaRPr>
+          </a:p>
+        </p:txBody>
+      </p:sp>
+    </p:spTree>
+    <p:extLst>
+      <p:ext uri="{BB962C8B-B14F-4D97-AF65-F5344CB8AC3E}">
+        <p14:creationId xmlns:p14="http://schemas.microsoft.com/office/powerpoint/2010/main" val="3340327944"/>
+      </p:ext>
+    </p:extLst>
+  </p:cSld>
+  <p:clrMapOvr>
+    <a:masterClrMapping/>
+  </p:clrMapOvr>
+  <p:timing>
+    <p:tnLst>
+      <p:par>
+        <p:cTn xmlns:p14="http://schemas.microsoft.com/office/powerpoint/2010/main" id="1" dur="indefinite" restart="never" nodeType="tmRoot"/>
+      </p:par>
+    </p:tnLst>
+  </p:timing>
+</p:sld>
+</file>
+
+<file path=ppt/slides/slide5.xml><?xml version="1.0" encoding="utf-8"?>
+<p:sld xmlns:a="http://schemas.openxmlformats.org/drawingml/2006/main" xmlns:r="http://schemas.openxmlformats.org/officeDocument/2006/relationships" xmlns:p="http://schemas.openxmlformats.org/presentationml/2006/main">
+  <p:cSld>
+    <p:spTree>
+      <p:nvGrpSpPr>
+        <p:cNvPr id="1" name=""/>
+        <p:cNvGrpSpPr/>
+        <p:nvPr/>
+      </p:nvGrpSpPr>
+      <p:grpSpPr>
+        <a:xfrm>
+          <a:off x="0" y="0"/>
+          <a:ext cx="0" cy="0"/>
+          <a:chOff x="0" y="0"/>
+          <a:chExt cx="0" cy="0"/>
+        </a:xfrm>
+      </p:grpSpPr>
+      <p:sp>
+        <p:nvSpPr>
+          <p:cNvPr id="2" name="标题 1"/>
+          <p:cNvSpPr>
+            <a:spLocks noGrp="1"/>
+          </p:cNvSpPr>
+          <p:nvPr>
+            <p:ph type="title"/>
+          </p:nvPr>
+        </p:nvSpPr>
+        <p:spPr/>
+        <p:txBody>
+          <a:bodyPr/>
+          <a:lstStyle/>
+          <a:p>
+            <a:endParaRPr kumimoji="1" lang="zh-CN" altLang="en-US"/>
           </a:p>
         </p:txBody>
       </p:sp>
       <p:sp>
         <p:nvSpPr>
-          <p:cNvPr id="4" name="文本框 3"/>
-          <p:cNvSpPr txBox="1"/>
-          <p:nvPr/>
+          <p:cNvPr id="3" name="内容占位符 2"/>
+          <p:cNvSpPr>
+            <a:spLocks noGrp="1"/>
+          </p:cNvSpPr>
+          <p:nvPr>
+            <p:ph idx="1"/>
+          </p:nvPr>
         </p:nvSpPr>
-        <p:spPr>
-          <a:xfrm>
-            <a:off x="-1065675" y="5795904"/>
-            <a:ext cx="184666" cy="369332"/>
-          </a:xfrm>
-          <a:prstGeom prst="rect">
-            <a:avLst/>
-          </a:prstGeom>
-          <a:noFill/>
-        </p:spPr>
+        <p:spPr/>
         <p:txBody>
-          <a:bodyPr wrap="none" rtlCol="0">
-            <a:spAutoFit/>
-          </a:bodyPr>
+          <a:bodyPr/>
           <a:lstStyle/>
           <a:p>
             <a:endParaRPr kumimoji="1" lang="zh-CN" altLang="en-US"/>
@@ -17328,7 +18736,7 @@
     </p:spTree>
     <p:extLst>
       <p:ext uri="{BB962C8B-B14F-4D97-AF65-F5344CB8AC3E}">
-        <p14:creationId xmlns:p14="http://schemas.microsoft.com/office/powerpoint/2010/main" val="3237149429"/>
+        <p14:creationId xmlns:p14="http://schemas.microsoft.com/office/powerpoint/2010/main" val="1624488709"/>
       </p:ext>
     </p:extLst>
   </p:cSld>

--- a/读书交流-林愉轩.pptx
+++ b/读书交流-林愉轩.pptx
@@ -18650,6 +18650,38 @@
           <a:bodyPr/>
           <a:lstStyle/>
           <a:p>
+            <a:r>
+              <a:rPr kumimoji="1" lang="zh-CN" altLang="en-US" dirty="0" smtClean="0">
+                <a:latin typeface="华文琥珀"/>
+                <a:ea typeface="华文琥珀"/>
+                <a:cs typeface="华文琥珀"/>
+              </a:rPr>
+              <a:t>我们班的男生应该对</a:t>
+            </a:r>
+            <a:r>
+              <a:rPr kumimoji="1" lang="en-US" altLang="zh-CN" dirty="0" smtClean="0">
+                <a:latin typeface="华文琥珀"/>
+                <a:ea typeface="华文琥珀"/>
+                <a:cs typeface="华文琥珀"/>
+              </a:rPr>
+              <a:t>《</a:t>
+            </a:r>
+            <a:r>
+              <a:rPr kumimoji="1" lang="zh-CN" altLang="en-US" dirty="0" smtClean="0">
+                <a:latin typeface="华文琥珀"/>
+                <a:ea typeface="华文琥珀"/>
+                <a:cs typeface="华文琥珀"/>
+              </a:rPr>
+              <a:t>绝地求生</a:t>
+            </a:r>
+            <a:r>
+              <a:rPr kumimoji="1" lang="en-US" altLang="zh-CN" smtClean="0">
+                <a:latin typeface="华文琥珀"/>
+                <a:ea typeface="华文琥珀"/>
+                <a:cs typeface="华文琥珀"/>
+              </a:rPr>
+              <a:t>》</a:t>
+            </a:r>
             <a:endParaRPr kumimoji="1" lang="zh-CN" altLang="en-US" dirty="0">
               <a:latin typeface="华文琥珀"/>
               <a:ea typeface="华文琥珀"/>

--- a/读书交流-林愉轩.pptx
+++ b/读书交流-林愉轩.pptx
@@ -17246,7 +17246,7 @@
         </p:blipFill>
         <p:spPr>
           <a:xfrm rot="5400000">
-            <a:off x="4168022" y="1194071"/>
+            <a:off x="4136017" y="1194071"/>
             <a:ext cx="5941076" cy="5386782"/>
           </a:xfrm>
           <a:prstGeom prst="rect">
@@ -18675,14 +18675,70 @@
               <a:t>绝地求生</a:t>
             </a:r>
             <a:r>
-              <a:rPr kumimoji="1" lang="en-US" altLang="zh-CN" smtClean="0">
+              <a:rPr kumimoji="1" lang="en-US" altLang="zh-CN" dirty="0" smtClean="0">
                 <a:latin typeface="华文琥珀"/>
                 <a:ea typeface="华文琥珀"/>
                 <a:cs typeface="华文琥珀"/>
               </a:rPr>
               <a:t>》</a:t>
             </a:r>
-            <a:endParaRPr kumimoji="1" lang="zh-CN" altLang="en-US" dirty="0">
+            <a:r>
+              <a:rPr kumimoji="1" lang="zh-CN" altLang="en-US" dirty="0" smtClean="0">
+                <a:latin typeface="华文琥珀"/>
+                <a:ea typeface="华文琥珀"/>
+                <a:cs typeface="华文琥珀"/>
+              </a:rPr>
+              <a:t>这款游戏不莫生吧</a:t>
+            </a:r>
+            <a:endParaRPr kumimoji="1" lang="en-US" altLang="zh-CN" dirty="0" smtClean="0">
+              <a:latin typeface="华文琥珀"/>
+              <a:ea typeface="华文琥珀"/>
+              <a:cs typeface="华文琥珀"/>
+            </a:endParaRPr>
+          </a:p>
+          <a:p>
+            <a:r>
+              <a:rPr kumimoji="1" lang="zh-CN" altLang="en-US" dirty="0" smtClean="0">
+                <a:latin typeface="华文琥珀"/>
+                <a:ea typeface="华文琥珀"/>
+                <a:cs typeface="华文琥珀"/>
+              </a:rPr>
+              <a:t>但是大家有没有想过自己做一款游戏呢？</a:t>
+            </a:r>
+          </a:p>
+          <a:p>
+            <a:r>
+              <a:rPr kumimoji="1" lang="zh-CN" altLang="en-US" dirty="0" smtClean="0">
+                <a:latin typeface="华文琥珀"/>
+                <a:ea typeface="华文琥珀"/>
+                <a:cs typeface="华文琥珀"/>
+              </a:rPr>
+              <a:t>在这本书的后面，有一个游戏制作的例子，</a:t>
+            </a:r>
+            <a:r>
+              <a:rPr kumimoji="1" lang="en-US" altLang="zh-CN" dirty="0" smtClean="0">
+                <a:latin typeface="华文琥珀"/>
+                <a:ea typeface="华文琥珀"/>
+                <a:cs typeface="华文琥珀"/>
+              </a:rPr>
+              <a:t>                     </a:t>
+            </a:r>
+            <a:r>
+              <a:rPr kumimoji="1" lang="zh-CN" altLang="en-US" dirty="0" smtClean="0">
+                <a:latin typeface="华文琥珀"/>
+                <a:ea typeface="华文琥珀"/>
+                <a:cs typeface="华文琥珀"/>
+              </a:rPr>
+              <a:t>我也做了一个类似的游戏。</a:t>
+            </a:r>
+            <a:endParaRPr kumimoji="1" lang="en-US" altLang="zh-CN" smtClean="0">
+              <a:latin typeface="华文琥珀"/>
+              <a:ea typeface="华文琥珀"/>
+              <a:cs typeface="华文琥珀"/>
+            </a:endParaRPr>
+          </a:p>
+          <a:p>
+            <a:endParaRPr kumimoji="1" lang="en-US" altLang="zh-CN" dirty="0" smtClean="0">
               <a:latin typeface="华文琥珀"/>
               <a:ea typeface="华文琥珀"/>
               <a:cs typeface="华文琥珀"/>
@@ -18742,7 +18798,7 @@
           <a:bodyPr/>
           <a:lstStyle/>
           <a:p>
-            <a:endParaRPr kumimoji="1" lang="zh-CN" altLang="en-US"/>
+            <a:endParaRPr kumimoji="1" lang="zh-CN" altLang="en-US" dirty="0"/>
           </a:p>
         </p:txBody>
       </p:sp>
@@ -18761,7 +18817,7 @@
           <a:bodyPr/>
           <a:lstStyle/>
           <a:p>
-            <a:endParaRPr kumimoji="1" lang="zh-CN" altLang="en-US"/>
+            <a:endParaRPr kumimoji="1" lang="zh-CN" altLang="en-US" dirty="0"/>
           </a:p>
         </p:txBody>
       </p:sp>
